--- a/pyastropd.pptx
+++ b/pyastropd.pptx
@@ -17,6 +17,8 @@
     <p:sldId id="262" r:id="rId11"/>
     <p:sldId id="263" r:id="rId12"/>
     <p:sldId id="264" r:id="rId13"/>
+    <p:sldId id="268" r:id="rId14"/>
+    <p:sldId id="269" r:id="rId15"/>
   </p:sldIdLst>
   <p:sldSz cx="9144000" cy="6858000" type="screen4x3"/>
   <p:notesSz cx="6858000" cy="9144000"/>
@@ -3576,6 +3578,362 @@
 </p:sld>
 </file>
 
+<file path=ppt/slides/slide13.xml><?xml version="1.0" encoding="utf-8"?>
+<p:sld xmlns:a="http://schemas.openxmlformats.org/drawingml/2006/main" xmlns:r="http://schemas.openxmlformats.org/officeDocument/2006/relationships" xmlns:p="http://schemas.openxmlformats.org/presentationml/2006/main">
+  <p:cSld>
+    <p:spTree>
+      <p:nvGrpSpPr>
+        <p:cNvPr id="1" name=""/>
+        <p:cNvGrpSpPr/>
+        <p:nvPr/>
+      </p:nvGrpSpPr>
+      <p:grpSpPr>
+        <a:xfrm>
+          <a:off x="0" y="0"/>
+          <a:ext cx="0" cy="0"/>
+          <a:chOff x="0" y="0"/>
+          <a:chExt cx="0" cy="0"/>
+        </a:xfrm>
+      </p:grpSpPr>
+      <p:sp>
+        <p:nvSpPr>
+          <p:cNvPr id="2" name="Title 1"/>
+          <p:cNvSpPr>
+            <a:spLocks noGrp="1"/>
+          </p:cNvSpPr>
+          <p:nvPr>
+            <p:ph type="title"/>
+          </p:nvPr>
+        </p:nvSpPr>
+        <p:spPr/>
+        <p:txBody>
+          <a:bodyPr/>
+          <a:lstStyle/>
+          <a:p>
+            <a:r>
+              <a:rPr lang="en-US" dirty="0" smtClean="0"/>
+              <a:t>Activation functions</a:t>
+            </a:r>
+            <a:endParaRPr lang="en-US" dirty="0"/>
+          </a:p>
+        </p:txBody>
+      </p:sp>
+      <p:sp>
+        <p:nvSpPr>
+          <p:cNvPr id="4" name="TextBox 3"/>
+          <p:cNvSpPr txBox="1"/>
+          <p:nvPr/>
+        </p:nvSpPr>
+        <p:spPr>
+          <a:xfrm>
+            <a:off x="1076784" y="1607687"/>
+            <a:ext cx="954107" cy="369332"/>
+          </a:xfrm>
+          <a:prstGeom prst="rect">
+            <a:avLst/>
+          </a:prstGeom>
+          <a:noFill/>
+        </p:spPr>
+        <p:txBody>
+          <a:bodyPr wrap="none" rtlCol="0">
+            <a:spAutoFit/>
+          </a:bodyPr>
+          <a:lstStyle/>
+          <a:p>
+            <a:r>
+              <a:rPr lang="en-US" dirty="0" err="1" smtClean="0"/>
+              <a:t>Softmax</a:t>
+            </a:r>
+            <a:endParaRPr lang="en-US" dirty="0"/>
+          </a:p>
+        </p:txBody>
+      </p:sp>
+      <p:pic>
+        <p:nvPicPr>
+          <p:cNvPr id="5" name="Picture 4" descr="Screenshot 2018-03-27 13.20.26.png"/>
+          <p:cNvPicPr>
+            <a:picLocks noChangeAspect="1"/>
+          </p:cNvPicPr>
+          <p:nvPr/>
+        </p:nvPicPr>
+        <p:blipFill>
+          <a:blip r:embed="rId2">
+            <a:extLst>
+              <a:ext uri="{28A0092B-C50C-407E-A947-70E740481C1C}">
+                <a14:useLocalDpi xmlns:a14="http://schemas.microsoft.com/office/drawing/2010/main" val="0"/>
+              </a:ext>
+            </a:extLst>
+          </a:blip>
+          <a:stretch>
+            <a:fillRect/>
+          </a:stretch>
+        </p:blipFill>
+        <p:spPr>
+          <a:xfrm>
+            <a:off x="1076784" y="1997684"/>
+            <a:ext cx="4965700" cy="1574800"/>
+          </a:xfrm>
+          <a:prstGeom prst="rect">
+            <a:avLst/>
+          </a:prstGeom>
+        </p:spPr>
+      </p:pic>
+      <p:sp>
+        <p:nvSpPr>
+          <p:cNvPr id="6" name="TextBox 5"/>
+          <p:cNvSpPr txBox="1"/>
+          <p:nvPr/>
+        </p:nvSpPr>
+        <p:spPr>
+          <a:xfrm>
+            <a:off x="1297117" y="3908856"/>
+            <a:ext cx="554246" cy="369332"/>
+          </a:xfrm>
+          <a:prstGeom prst="rect">
+            <a:avLst/>
+          </a:prstGeom>
+          <a:noFill/>
+        </p:spPr>
+        <p:txBody>
+          <a:bodyPr wrap="none" rtlCol="0">
+            <a:spAutoFit/>
+          </a:bodyPr>
+          <a:lstStyle/>
+          <a:p>
+            <a:r>
+              <a:rPr lang="en-US" dirty="0" err="1" smtClean="0"/>
+              <a:t>relu</a:t>
+            </a:r>
+            <a:endParaRPr lang="en-US" dirty="0" smtClean="0"/>
+          </a:p>
+        </p:txBody>
+      </p:sp>
+      <p:pic>
+        <p:nvPicPr>
+          <p:cNvPr id="7" name="Picture 6" descr="Screenshot 2018-03-27 13.23.54.png"/>
+          <p:cNvPicPr>
+            <a:picLocks noChangeAspect="1"/>
+          </p:cNvPicPr>
+          <p:nvPr/>
+        </p:nvPicPr>
+        <p:blipFill>
+          <a:blip r:embed="rId3">
+            <a:extLst>
+              <a:ext uri="{28A0092B-C50C-407E-A947-70E740481C1C}">
+                <a14:useLocalDpi xmlns:a14="http://schemas.microsoft.com/office/drawing/2010/main" val="0"/>
+              </a:ext>
+            </a:extLst>
+          </a:blip>
+          <a:stretch>
+            <a:fillRect/>
+          </a:stretch>
+        </p:blipFill>
+        <p:spPr>
+          <a:xfrm>
+            <a:off x="1297117" y="4311059"/>
+            <a:ext cx="3873500" cy="736600"/>
+          </a:xfrm>
+          <a:prstGeom prst="rect">
+            <a:avLst/>
+          </a:prstGeom>
+        </p:spPr>
+      </p:pic>
+    </p:spTree>
+    <p:extLst>
+      <p:ext uri="{BB962C8B-B14F-4D97-AF65-F5344CB8AC3E}">
+        <p14:creationId xmlns:p14="http://schemas.microsoft.com/office/powerpoint/2010/main" val="3437506019"/>
+      </p:ext>
+    </p:extLst>
+  </p:cSld>
+  <p:clrMapOvr>
+    <a:masterClrMapping/>
+  </p:clrMapOvr>
+</p:sld>
+</file>
+
+<file path=ppt/slides/slide14.xml><?xml version="1.0" encoding="utf-8"?>
+<p:sld xmlns:a="http://schemas.openxmlformats.org/drawingml/2006/main" xmlns:r="http://schemas.openxmlformats.org/officeDocument/2006/relationships" xmlns:p="http://schemas.openxmlformats.org/presentationml/2006/main">
+  <p:cSld>
+    <p:spTree>
+      <p:nvGrpSpPr>
+        <p:cNvPr id="1" name=""/>
+        <p:cNvGrpSpPr/>
+        <p:nvPr/>
+      </p:nvGrpSpPr>
+      <p:grpSpPr>
+        <a:xfrm>
+          <a:off x="0" y="0"/>
+          <a:ext cx="0" cy="0"/>
+          <a:chOff x="0" y="0"/>
+          <a:chExt cx="0" cy="0"/>
+        </a:xfrm>
+      </p:grpSpPr>
+      <p:sp>
+        <p:nvSpPr>
+          <p:cNvPr id="2" name="Title 1"/>
+          <p:cNvSpPr>
+            <a:spLocks noGrp="1"/>
+          </p:cNvSpPr>
+          <p:nvPr>
+            <p:ph type="title"/>
+          </p:nvPr>
+        </p:nvSpPr>
+        <p:spPr/>
+        <p:txBody>
+          <a:bodyPr/>
+          <a:lstStyle/>
+          <a:p>
+            <a:r>
+              <a:rPr lang="en-US" dirty="0" smtClean="0"/>
+              <a:t>Regularization</a:t>
+            </a:r>
+            <a:endParaRPr lang="en-US" dirty="0"/>
+          </a:p>
+        </p:txBody>
+      </p:sp>
+      <p:sp>
+        <p:nvSpPr>
+          <p:cNvPr id="3" name="Content Placeholder 2"/>
+          <p:cNvSpPr>
+            <a:spLocks noGrp="1"/>
+          </p:cNvSpPr>
+          <p:nvPr>
+            <p:ph idx="1"/>
+          </p:nvPr>
+        </p:nvSpPr>
+        <p:spPr>
+          <a:xfrm>
+            <a:off x="457200" y="1238442"/>
+            <a:ext cx="8229600" cy="723515"/>
+          </a:xfrm>
+        </p:spPr>
+        <p:txBody>
+          <a:bodyPr/>
+          <a:lstStyle/>
+          <a:p>
+            <a:r>
+              <a:rPr lang="en-US" dirty="0" smtClean="0"/>
+              <a:t>Many weights = too many degrees of freedom</a:t>
+            </a:r>
+            <a:endParaRPr lang="en-US" dirty="0"/>
+          </a:p>
+        </p:txBody>
+      </p:sp>
+      <p:pic>
+        <p:nvPicPr>
+          <p:cNvPr id="4" name="Picture 3" descr="Screenshot 2018-03-27 13.25.58.png"/>
+          <p:cNvPicPr>
+            <a:picLocks noChangeAspect="1"/>
+          </p:cNvPicPr>
+          <p:nvPr/>
+        </p:nvPicPr>
+        <p:blipFill>
+          <a:blip r:embed="rId2">
+            <a:extLst>
+              <a:ext uri="{28A0092B-C50C-407E-A947-70E740481C1C}">
+                <a14:useLocalDpi xmlns:a14="http://schemas.microsoft.com/office/drawing/2010/main" val="0"/>
+              </a:ext>
+            </a:extLst>
+          </a:blip>
+          <a:stretch>
+            <a:fillRect/>
+          </a:stretch>
+        </p:blipFill>
+        <p:spPr>
+          <a:xfrm>
+            <a:off x="563337" y="1783316"/>
+            <a:ext cx="5213022" cy="3538409"/>
+          </a:xfrm>
+          <a:prstGeom prst="rect">
+            <a:avLst/>
+          </a:prstGeom>
+        </p:spPr>
+      </p:pic>
+      <p:sp>
+        <p:nvSpPr>
+          <p:cNvPr id="5" name="TextBox 4"/>
+          <p:cNvSpPr txBox="1"/>
+          <p:nvPr/>
+        </p:nvSpPr>
+        <p:spPr>
+          <a:xfrm>
+            <a:off x="797187" y="5647169"/>
+            <a:ext cx="4979172" cy="369332"/>
+          </a:xfrm>
+          <a:prstGeom prst="rect">
+            <a:avLst/>
+          </a:prstGeom>
+          <a:noFill/>
+        </p:spPr>
+        <p:txBody>
+          <a:bodyPr wrap="none" rtlCol="0">
+            <a:spAutoFit/>
+          </a:bodyPr>
+          <a:lstStyle/>
+          <a:p>
+            <a:r>
+              <a:rPr lang="en-US" dirty="0" smtClean="0"/>
+              <a:t>Penalize the weights, use early stopping, dropout...</a:t>
+            </a:r>
+            <a:endParaRPr lang="en-US" dirty="0"/>
+          </a:p>
+        </p:txBody>
+      </p:sp>
+      <p:sp>
+        <p:nvSpPr>
+          <p:cNvPr id="6" name="TextBox 5"/>
+          <p:cNvSpPr txBox="1"/>
+          <p:nvPr/>
+        </p:nvSpPr>
+        <p:spPr>
+          <a:xfrm>
+            <a:off x="5776359" y="1961957"/>
+            <a:ext cx="2975168" cy="923330"/>
+          </a:xfrm>
+          <a:prstGeom prst="rect">
+            <a:avLst/>
+          </a:prstGeom>
+          <a:noFill/>
+        </p:spPr>
+        <p:txBody>
+          <a:bodyPr wrap="none" rtlCol="0">
+            <a:spAutoFit/>
+          </a:bodyPr>
+          <a:lstStyle/>
+          <a:p>
+            <a:r>
+              <a:rPr lang="en-US" dirty="0" smtClean="0"/>
+              <a:t>performance in training is too</a:t>
+            </a:r>
+          </a:p>
+          <a:p>
+            <a:r>
+              <a:rPr lang="en-US" dirty="0" smtClean="0"/>
+              <a:t>good to be true, performance</a:t>
+            </a:r>
+          </a:p>
+          <a:p>
+            <a:r>
+              <a:rPr lang="en-US" dirty="0" smtClean="0"/>
+              <a:t>in testing is not good</a:t>
+            </a:r>
+            <a:endParaRPr lang="en-US" dirty="0"/>
+          </a:p>
+        </p:txBody>
+      </p:sp>
+    </p:spTree>
+    <p:extLst>
+      <p:ext uri="{BB962C8B-B14F-4D97-AF65-F5344CB8AC3E}">
+        <p14:creationId xmlns:p14="http://schemas.microsoft.com/office/powerpoint/2010/main" val="3001939050"/>
+      </p:ext>
+    </p:extLst>
+  </p:cSld>
+  <p:clrMapOvr>
+    <a:masterClrMapping/>
+  </p:clrMapOvr>
+</p:sld>
+</file>
+
 <file path=ppt/slides/slide2.xml><?xml version="1.0" encoding="utf-8"?>
 <p:sld xmlns:a="http://schemas.openxmlformats.org/drawingml/2006/main" xmlns:r="http://schemas.openxmlformats.org/officeDocument/2006/relationships" xmlns:p="http://schemas.openxmlformats.org/presentationml/2006/main">
   <p:cSld>
@@ -3752,7 +4110,7 @@
         <p:spPr>
           <a:xfrm>
             <a:off x="113395" y="1600200"/>
-            <a:ext cx="8924295" cy="4525963"/>
+            <a:ext cx="8924295" cy="5114257"/>
           </a:xfrm>
         </p:spPr>
         <p:txBody>
@@ -3867,7 +4225,7 @@
                 <a:ea typeface="Lucida Grande"/>
                 <a:cs typeface="Lucida Grande"/>
               </a:rPr>
-              <a:t>train regular, convolutional and other exotic neural nets</a:t>
+              <a:t>train regular (fully connected), convolutional and other more exotic neural nets</a:t>
             </a:r>
           </a:p>
           <a:p>
@@ -3875,6 +4233,19 @@
               <a:rPr lang="en-US" dirty="0" smtClean="0"/>
               <a:t>parallelize on GPUs</a:t>
             </a:r>
+          </a:p>
+          <a:p>
+            <a:r>
+              <a:rPr lang="en-US" dirty="0" smtClean="0"/>
+              <a:t>not know </a:t>
+            </a:r>
+            <a:r>
+              <a:rPr lang="en-US" dirty="0" err="1" smtClean="0"/>
+              <a:t>TensorFlow</a:t>
+            </a:r>
+            <a:endParaRPr lang="en-US" dirty="0" smtClean="0"/>
+          </a:p>
+          <a:p>
             <a:endParaRPr lang="en-US" dirty="0"/>
           </a:p>
         </p:txBody>
@@ -4043,6 +4414,36 @@
                 </a:schemeClr>
               </a:solidFill>
             </a:endParaRPr>
+          </a:p>
+        </p:txBody>
+      </p:sp>
+      <p:sp>
+        <p:nvSpPr>
+          <p:cNvPr id="5" name="TextBox 4"/>
+          <p:cNvSpPr txBox="1"/>
+          <p:nvPr/>
+        </p:nvSpPr>
+        <p:spPr>
+          <a:xfrm>
+            <a:off x="810698" y="4809550"/>
+            <a:ext cx="7477415" cy="369332"/>
+          </a:xfrm>
+          <a:prstGeom prst="rect">
+            <a:avLst/>
+          </a:prstGeom>
+          <a:noFill/>
+        </p:spPr>
+        <p:txBody>
+          <a:bodyPr wrap="none" rtlCol="0">
+            <a:spAutoFit/>
+          </a:bodyPr>
+          <a:lstStyle/>
+          <a:p>
+            <a:r>
+              <a:rPr lang="en-US" dirty="0" smtClean="0"/>
+              <a:t>One of the scripts will need to download data, so have an internet connection</a:t>
+            </a:r>
+            <a:endParaRPr lang="en-US" dirty="0"/>
           </a:p>
         </p:txBody>
       </p:sp>
